--- a/657A-presentation.pptx
+++ b/657A-presentation.pptx
@@ -138,7 +138,7 @@
   </p:defaultTextStyle>
   <p:extLst>
     <p:ext uri="{EFAFB233-063F-42B5-8137-9DF3F51BA10A}">
-      <p15:sldGuideLst xmlns:p15="http://schemas.microsoft.com/office/powerpoint/2012/main" xmlns="">
+      <p15:sldGuideLst xmlns="" xmlns:p15="http://schemas.microsoft.com/office/powerpoint/2012/main">
         <p15:guide id="1" orient="horz" pos="2160">
           <p15:clr>
             <a:srgbClr val="A4A3A4"/>
@@ -237,7 +237,7 @@
           <a:p>
             <a:fld id="{C1BDBB1C-1CE0-3E45-BBB6-8C6C6D44E82E}" type="datetimeFigureOut">
               <a:rPr kumimoji="1" lang="zh-CN" altLang="en-US" smtClean="0"/>
-              <a:t>16/3/28</a:t>
+              <a:t>16-04-01</a:t>
             </a:fld>
             <a:endParaRPr kumimoji="1" lang="zh-CN" altLang="en-US"/>
           </a:p>
@@ -2439,7 +2439,7 @@
             <a:fld id="{16C01193-8287-4834-A286-6B880643E934}" type="datetime4">
               <a:rPr lang="en-US" smtClean="0"/>
               <a:pPr/>
-              <a:t>2016年3月28日</a:t>
+              <a:t>2016年4月1日</a:t>
             </a:fld>
             <a:endParaRPr lang="en-US"/>
           </a:p>
@@ -2642,7 +2642,7 @@
             <a:fld id="{16C01193-8287-4834-A286-6B880643E934}" type="datetime4">
               <a:rPr lang="en-US" smtClean="0"/>
               <a:pPr/>
-              <a:t>2016年3月28日</a:t>
+              <a:t>2016年4月1日</a:t>
             </a:fld>
             <a:endParaRPr lang="en-US"/>
           </a:p>
@@ -2820,7 +2820,7 @@
             <a:fld id="{16C01193-8287-4834-A286-6B880643E934}" type="datetime4">
               <a:rPr lang="en-US" smtClean="0"/>
               <a:pPr/>
-              <a:t>2016年3月28日</a:t>
+              <a:t>2016年4月1日</a:t>
             </a:fld>
             <a:endParaRPr lang="en-US"/>
           </a:p>
@@ -2988,7 +2988,7 @@
             <a:fld id="{16C01193-8287-4834-A286-6B880643E934}" type="datetime4">
               <a:rPr lang="en-US" smtClean="0"/>
               <a:pPr/>
-              <a:t>2016年3月28日</a:t>
+              <a:t>2016年4月1日</a:t>
             </a:fld>
             <a:endParaRPr lang="en-US"/>
           </a:p>
@@ -3239,7 +3239,7 @@
             <a:fld id="{16C01193-8287-4834-A286-6B880643E934}" type="datetime4">
               <a:rPr lang="en-US" smtClean="0"/>
               <a:pPr/>
-              <a:t>2016年3月28日</a:t>
+              <a:t>2016年4月1日</a:t>
             </a:fld>
             <a:endParaRPr lang="en-US"/>
           </a:p>
@@ -3560,7 +3560,7 @@
             <a:fld id="{16C01193-8287-4834-A286-6B880643E934}" type="datetime4">
               <a:rPr lang="en-US" smtClean="0"/>
               <a:pPr/>
-              <a:t>2016年3月28日</a:t>
+              <a:t>2016年4月1日</a:t>
             </a:fld>
             <a:endParaRPr lang="en-US"/>
           </a:p>
@@ -4029,7 +4029,7 @@
             <a:fld id="{16C01193-8287-4834-A286-6B880643E934}" type="datetime4">
               <a:rPr lang="en-US" smtClean="0"/>
               <a:pPr/>
-              <a:t>2016年3月28日</a:t>
+              <a:t>2016年4月1日</a:t>
             </a:fld>
             <a:endParaRPr lang="en-US"/>
           </a:p>
@@ -4180,7 +4180,7 @@
             <a:fld id="{16C01193-8287-4834-A286-6B880643E934}" type="datetime4">
               <a:rPr lang="en-US" smtClean="0"/>
               <a:pPr/>
-              <a:t>2016年3月28日</a:t>
+              <a:t>2016年4月1日</a:t>
             </a:fld>
             <a:endParaRPr lang="en-US"/>
           </a:p>
@@ -4273,7 +4273,7 @@
             <a:fld id="{16C01193-8287-4834-A286-6B880643E934}" type="datetime4">
               <a:rPr lang="en-US" smtClean="0"/>
               <a:pPr/>
-              <a:t>2016年3月28日</a:t>
+              <a:t>2016年4月1日</a:t>
             </a:fld>
             <a:endParaRPr lang="en-US"/>
           </a:p>
@@ -4550,7 +4550,7 @@
             <a:fld id="{16C01193-8287-4834-A286-6B880643E934}" type="datetime4">
               <a:rPr lang="en-US" smtClean="0"/>
               <a:pPr/>
-              <a:t>2016年3月28日</a:t>
+              <a:t>2016年4月1日</a:t>
             </a:fld>
             <a:endParaRPr lang="en-US"/>
           </a:p>
@@ -4858,7 +4858,7 @@
             <a:fld id="{16C01193-8287-4834-A286-6B880643E934}" type="datetime4">
               <a:rPr lang="en-US" smtClean="0"/>
               <a:pPr/>
-              <a:t>2016年3月28日</a:t>
+              <a:t>2016年4月1日</a:t>
             </a:fld>
             <a:endParaRPr lang="en-US"/>
           </a:p>
@@ -5159,7 +5159,7 @@
             <a:fld id="{16C01193-8287-4834-A286-6B880643E934}" type="datetime4">
               <a:rPr lang="en-US" smtClean="0"/>
               <a:pPr/>
-              <a:t>2016年3月28日</a:t>
+              <a:t>2016年4月1日</a:t>
             </a:fld>
             <a:endParaRPr lang="en-US"/>
           </a:p>
@@ -14921,7 +14921,7 @@
               <a:lstStyle/>
               <a:p>
                 <a14:m>
-                  <m:oMathPara xmlns:m="http://schemas.openxmlformats.org/officeDocument/2006/math" xmlns="">
+                  <m:oMathPara xmlns="" xmlns:m="http://schemas.openxmlformats.org/officeDocument/2006/math">
                     <m:oMathParaPr>
                       <m:jc m:val="centerGroup"/>
                     </m:oMathParaPr>
@@ -15684,8 +15684,8 @@
           <a:chExt cx="0" cy="0"/>
         </a:xfrm>
       </p:grpSpPr>
-      <mc:AlternateContent xmlns:mc="http://schemas.openxmlformats.org/markup-compatibility/2006">
-        <mc:Choice xmlns:a14="http://schemas.microsoft.com/office/drawing/2010/main" Requires="a14">
+      <mc:AlternateContent xmlns:mc="http://schemas.openxmlformats.org/markup-compatibility/2006" xmlns:a14="http://schemas.microsoft.com/office/drawing/2010/main">
+        <mc:Choice Requires="a14">
           <p:sp>
             <p:nvSpPr>
               <p:cNvPr id="3" name="TextBox 2"/>
@@ -15708,7 +15708,6 @@
               </a:bodyPr>
               <a:lstStyle/>
               <a:p>
-                <a14:m/>
                 <a:endParaRPr lang="en-CA" sz="2800" b="1" dirty="0">
                   <a:latin typeface="Cambria Math" panose="02040503050406030204" pitchFamily="18" charset="0"/>
                   <a:ea typeface="Cambria Math" panose="02040503050406030204" pitchFamily="18" charset="0"/>
@@ -15717,7 +15716,7 @@
             </p:txBody>
           </p:sp>
         </mc:Choice>
-        <mc:Fallback>
+        <mc:Fallback xmlns="">
           <p:sp>
             <p:nvSpPr>
               <p:cNvPr id="3" name="TextBox 2"/>
@@ -15756,8 +15755,8 @@
           </p:sp>
         </mc:Fallback>
       </mc:AlternateContent>
-      <mc:AlternateContent xmlns:mc="http://schemas.openxmlformats.org/markup-compatibility/2006" xmlns:a14="http://schemas.microsoft.com/office/drawing/2010/main">
-        <mc:Choice Requires="a14">
+      <mc:AlternateContent xmlns:mc="http://schemas.openxmlformats.org/markup-compatibility/2006">
+        <mc:Choice xmlns:a14="http://schemas.microsoft.com/office/drawing/2010/main" Requires="a14">
           <p:sp>
             <p:nvSpPr>
               <p:cNvPr id="5" name="TextBox 4"/>
@@ -15766,7 +15765,7 @@
             </p:nvSpPr>
             <p:spPr>
               <a:xfrm>
-                <a:off x="684396" y="1339093"/>
+                <a:off x="501305" y="1285170"/>
                 <a:ext cx="8043968" cy="707886"/>
               </a:xfrm>
               <a:prstGeom prst="rect">
@@ -15785,7 +15784,7 @@
                   <a:t>Define a new method to determine which possible answer </a:t>
                 </a:r>
                 <a14:m>
-                  <m:oMath xmlns:m="http://schemas.openxmlformats.org/officeDocument/2006/math" xmlns="">
+                  <m:oMath xmlns="" xmlns:m="http://schemas.openxmlformats.org/officeDocument/2006/math">
                     <m:sSub>
                       <m:sSubPr>
                         <m:ctrlPr>
@@ -15825,7 +15824,7 @@
             </p:txBody>
           </p:sp>
         </mc:Choice>
-        <mc:Fallback xmlns="">
+        <mc:Fallback>
           <p:sp>
             <p:nvSpPr>
               <p:cNvPr id="5" name="TextBox 4"/>
@@ -15836,7 +15835,7 @@
             </p:nvSpPr>
             <p:spPr>
               <a:xfrm>
-                <a:off x="684396" y="1339093"/>
+                <a:off x="501305" y="1285170"/>
                 <a:ext cx="8043968" cy="707886"/>
               </a:xfrm>
               <a:prstGeom prst="rect">
@@ -15845,7 +15844,7 @@
               <a:blipFill rotWithShape="1">
                 <a:blip r:embed="rId4"/>
                 <a:stretch>
-                  <a:fillRect l="-758" t="-3448" b="-15517"/>
+                  <a:fillRect/>
                 </a:stretch>
               </a:blipFill>
             </p:spPr>
@@ -15854,7 +15853,7 @@
               <a:lstStyle/>
               <a:p>
                 <a:r>
-                  <a:rPr lang="en-CA">
+                  <a:rPr lang="zh-CN" altLang="en-US">
                     <a:noFill/>
                   </a:rPr>
                   <a:t> </a:t>
@@ -16330,7 +16329,7 @@
               <a:lstStyle/>
               <a:p>
                 <a14:m>
-                  <m:oMathPara xmlns:m="http://schemas.openxmlformats.org/officeDocument/2006/math" xmlns="">
+                  <m:oMathPara xmlns="" xmlns:m="http://schemas.openxmlformats.org/officeDocument/2006/math">
                     <m:oMathParaPr>
                       <m:jc m:val="centerGroup"/>
                     </m:oMathParaPr>
